--- a/ppt 16-9/0570.你今召我回来.pptx
+++ b/ppt 16-9/0570.你今召我回来.pptx
@@ -5,7 +5,7 @@
     <p:sldMasterId id="2147483648" r:id="rId1"/>
   </p:sldMasterIdLst>
   <p:sldIdLst>
-    <p:sldId id="2328" r:id="rId2"/>
+    <p:sldId id="2330" r:id="rId2"/>
   </p:sldIdLst>
   <p:sldSz cx="12192000" cy="6858000"/>
   <p:notesSz cx="6858000" cy="9144000"/>
@@ -129,7 +129,7 @@
           <p:cNvPr id="2" name="标题 1">
             <a:extLst>
               <a:ext uri="{FF2B5EF4-FFF2-40B4-BE49-F238E27FC236}">
-                <a16:creationId xmlns:a16="http://schemas.microsoft.com/office/drawing/2014/main" id="{27B5A01C-7DBB-50CB-56A2-A9B7AB216C85}"/>
+                <a16:creationId xmlns:a16="http://schemas.microsoft.com/office/drawing/2014/main" id="{934B0DD4-9F48-D2FF-E73E-D71AC299805F}"/>
               </a:ext>
             </a:extLst>
           </p:cNvPr>
@@ -166,7 +166,7 @@
           <p:cNvPr id="3" name="副标题 2">
             <a:extLst>
               <a:ext uri="{FF2B5EF4-FFF2-40B4-BE49-F238E27FC236}">
-                <a16:creationId xmlns:a16="http://schemas.microsoft.com/office/drawing/2014/main" id="{EFD9276C-F0B4-BDE1-B913-37CC17855A1E}"/>
+                <a16:creationId xmlns:a16="http://schemas.microsoft.com/office/drawing/2014/main" id="{E78EC6DB-8B54-EB44-3C21-26AE36AB7FCB}"/>
               </a:ext>
             </a:extLst>
           </p:cNvPr>
@@ -236,7 +236,7 @@
           <p:cNvPr id="4" name="日期占位符 3">
             <a:extLst>
               <a:ext uri="{FF2B5EF4-FFF2-40B4-BE49-F238E27FC236}">
-                <a16:creationId xmlns:a16="http://schemas.microsoft.com/office/drawing/2014/main" id="{B11DF881-1C48-A98B-E4D1-6E0AC01A3757}"/>
+                <a16:creationId xmlns:a16="http://schemas.microsoft.com/office/drawing/2014/main" id="{2DCAFBE1-8AA3-BBAE-FE04-BE98963BE02D}"/>
               </a:ext>
             </a:extLst>
           </p:cNvPr>
@@ -252,7 +252,7 @@
           <a:bodyPr/>
           <a:lstStyle/>
           <a:p>
-            <a:fld id="{A2745E8A-2351-4512-BF92-01ACBAF9568D}" type="datetimeFigureOut">
+            <a:fld id="{8CB32746-B74F-4C23-B6B0-9B514D72EC2C}" type="datetimeFigureOut">
               <a:rPr lang="zh-CN" altLang="en-US" smtClean="0"/>
               <a:t>2024/3/10</a:t>
             </a:fld>
@@ -265,7 +265,7 @@
           <p:cNvPr id="5" name="页脚占位符 4">
             <a:extLst>
               <a:ext uri="{FF2B5EF4-FFF2-40B4-BE49-F238E27FC236}">
-                <a16:creationId xmlns:a16="http://schemas.microsoft.com/office/drawing/2014/main" id="{3D7EFD89-7359-5C65-A628-F2FD7B937201}"/>
+                <a16:creationId xmlns:a16="http://schemas.microsoft.com/office/drawing/2014/main" id="{E8A012DA-9C4E-4B09-C11A-3E6887656E85}"/>
               </a:ext>
             </a:extLst>
           </p:cNvPr>
@@ -290,7 +290,7 @@
           <p:cNvPr id="6" name="灯片编号占位符 5">
             <a:extLst>
               <a:ext uri="{FF2B5EF4-FFF2-40B4-BE49-F238E27FC236}">
-                <a16:creationId xmlns:a16="http://schemas.microsoft.com/office/drawing/2014/main" id="{7590E6AF-668D-3C3A-F357-01EDAE3A6044}"/>
+                <a16:creationId xmlns:a16="http://schemas.microsoft.com/office/drawing/2014/main" id="{5DAB1A00-1CCF-D976-4371-870045472B5A}"/>
               </a:ext>
             </a:extLst>
           </p:cNvPr>
@@ -306,7 +306,7 @@
           <a:bodyPr/>
           <a:lstStyle/>
           <a:p>
-            <a:fld id="{89D2768D-D5DF-40DC-9CE2-D2B6BE34A7DA}" type="slidenum">
+            <a:fld id="{5682F263-F8A9-4F04-94A7-DE68AC48EE27}" type="slidenum">
               <a:rPr lang="zh-CN" altLang="en-US" smtClean="0"/>
               <a:t>‹#›</a:t>
             </a:fld>
@@ -317,7 +317,7 @@
     </p:spTree>
     <p:extLst>
       <p:ext uri="{BB962C8B-B14F-4D97-AF65-F5344CB8AC3E}">
-        <p14:creationId xmlns:p14="http://schemas.microsoft.com/office/powerpoint/2010/main" val="1008869651"/>
+        <p14:creationId xmlns:p14="http://schemas.microsoft.com/office/powerpoint/2010/main" val="365153900"/>
       </p:ext>
     </p:extLst>
   </p:cSld>
@@ -349,7 +349,7 @@
           <p:cNvPr id="2" name="标题 1">
             <a:extLst>
               <a:ext uri="{FF2B5EF4-FFF2-40B4-BE49-F238E27FC236}">
-                <a16:creationId xmlns:a16="http://schemas.microsoft.com/office/drawing/2014/main" id="{4050B82B-BE16-3B56-2CF7-A610D86F503A}"/>
+                <a16:creationId xmlns:a16="http://schemas.microsoft.com/office/drawing/2014/main" id="{55459A89-E8E4-A63F-92CD-F7CB846F4F70}"/>
               </a:ext>
             </a:extLst>
           </p:cNvPr>
@@ -377,7 +377,7 @@
           <p:cNvPr id="3" name="竖排文字占位符 2">
             <a:extLst>
               <a:ext uri="{FF2B5EF4-FFF2-40B4-BE49-F238E27FC236}">
-                <a16:creationId xmlns:a16="http://schemas.microsoft.com/office/drawing/2014/main" id="{B3529F5C-444B-A2A2-445B-06BDB520CC42}"/>
+                <a16:creationId xmlns:a16="http://schemas.microsoft.com/office/drawing/2014/main" id="{E321381F-C615-7EE5-8FBB-B73F2E37170F}"/>
               </a:ext>
             </a:extLst>
           </p:cNvPr>
@@ -434,7 +434,7 @@
           <p:cNvPr id="4" name="日期占位符 3">
             <a:extLst>
               <a:ext uri="{FF2B5EF4-FFF2-40B4-BE49-F238E27FC236}">
-                <a16:creationId xmlns:a16="http://schemas.microsoft.com/office/drawing/2014/main" id="{F22DDC2C-BB03-919D-E369-4DA6075B3EE8}"/>
+                <a16:creationId xmlns:a16="http://schemas.microsoft.com/office/drawing/2014/main" id="{111B6DAB-1BB2-50F0-672E-466B5F045E8B}"/>
               </a:ext>
             </a:extLst>
           </p:cNvPr>
@@ -450,7 +450,7 @@
           <a:bodyPr/>
           <a:lstStyle/>
           <a:p>
-            <a:fld id="{A2745E8A-2351-4512-BF92-01ACBAF9568D}" type="datetimeFigureOut">
+            <a:fld id="{8CB32746-B74F-4C23-B6B0-9B514D72EC2C}" type="datetimeFigureOut">
               <a:rPr lang="zh-CN" altLang="en-US" smtClean="0"/>
               <a:t>2024/3/10</a:t>
             </a:fld>
@@ -463,7 +463,7 @@
           <p:cNvPr id="5" name="页脚占位符 4">
             <a:extLst>
               <a:ext uri="{FF2B5EF4-FFF2-40B4-BE49-F238E27FC236}">
-                <a16:creationId xmlns:a16="http://schemas.microsoft.com/office/drawing/2014/main" id="{2837F62B-C806-4EBA-D474-899BA94722C6}"/>
+                <a16:creationId xmlns:a16="http://schemas.microsoft.com/office/drawing/2014/main" id="{019D533C-2DF8-2AB6-CBA8-419D645520F6}"/>
               </a:ext>
             </a:extLst>
           </p:cNvPr>
@@ -488,7 +488,7 @@
           <p:cNvPr id="6" name="灯片编号占位符 5">
             <a:extLst>
               <a:ext uri="{FF2B5EF4-FFF2-40B4-BE49-F238E27FC236}">
-                <a16:creationId xmlns:a16="http://schemas.microsoft.com/office/drawing/2014/main" id="{53E3F834-4E8D-342A-29F1-B2BBD9255155}"/>
+                <a16:creationId xmlns:a16="http://schemas.microsoft.com/office/drawing/2014/main" id="{45E7BD73-4517-05E2-93EB-BC92DDE2D682}"/>
               </a:ext>
             </a:extLst>
           </p:cNvPr>
@@ -504,7 +504,7 @@
           <a:bodyPr/>
           <a:lstStyle/>
           <a:p>
-            <a:fld id="{89D2768D-D5DF-40DC-9CE2-D2B6BE34A7DA}" type="slidenum">
+            <a:fld id="{5682F263-F8A9-4F04-94A7-DE68AC48EE27}" type="slidenum">
               <a:rPr lang="zh-CN" altLang="en-US" smtClean="0"/>
               <a:t>‹#›</a:t>
             </a:fld>
@@ -515,7 +515,7 @@
     </p:spTree>
     <p:extLst>
       <p:ext uri="{BB962C8B-B14F-4D97-AF65-F5344CB8AC3E}">
-        <p14:creationId xmlns:p14="http://schemas.microsoft.com/office/powerpoint/2010/main" val="3135461948"/>
+        <p14:creationId xmlns:p14="http://schemas.microsoft.com/office/powerpoint/2010/main" val="3546959404"/>
       </p:ext>
     </p:extLst>
   </p:cSld>
@@ -547,7 +547,7 @@
           <p:cNvPr id="2" name="竖排标题 1">
             <a:extLst>
               <a:ext uri="{FF2B5EF4-FFF2-40B4-BE49-F238E27FC236}">
-                <a16:creationId xmlns:a16="http://schemas.microsoft.com/office/drawing/2014/main" id="{EAC68810-95C1-4294-5F32-74C1DBCF8853}"/>
+                <a16:creationId xmlns:a16="http://schemas.microsoft.com/office/drawing/2014/main" id="{27B45517-D3E9-D079-9B10-640340CBFF85}"/>
               </a:ext>
             </a:extLst>
           </p:cNvPr>
@@ -580,7 +580,7 @@
           <p:cNvPr id="3" name="竖排文字占位符 2">
             <a:extLst>
               <a:ext uri="{FF2B5EF4-FFF2-40B4-BE49-F238E27FC236}">
-                <a16:creationId xmlns:a16="http://schemas.microsoft.com/office/drawing/2014/main" id="{ECBB9774-BA38-82AC-35BB-73A548ADDA31}"/>
+                <a16:creationId xmlns:a16="http://schemas.microsoft.com/office/drawing/2014/main" id="{FF611D9F-C58C-CCFA-B653-9B9768A76A71}"/>
               </a:ext>
             </a:extLst>
           </p:cNvPr>
@@ -642,7 +642,7 @@
           <p:cNvPr id="4" name="日期占位符 3">
             <a:extLst>
               <a:ext uri="{FF2B5EF4-FFF2-40B4-BE49-F238E27FC236}">
-                <a16:creationId xmlns:a16="http://schemas.microsoft.com/office/drawing/2014/main" id="{23A54EBA-00BB-D605-9F51-C6B6D6D5080F}"/>
+                <a16:creationId xmlns:a16="http://schemas.microsoft.com/office/drawing/2014/main" id="{ED614D62-054E-B2A2-13E6-7A9913E62B5D}"/>
               </a:ext>
             </a:extLst>
           </p:cNvPr>
@@ -658,7 +658,7 @@
           <a:bodyPr/>
           <a:lstStyle/>
           <a:p>
-            <a:fld id="{A2745E8A-2351-4512-BF92-01ACBAF9568D}" type="datetimeFigureOut">
+            <a:fld id="{8CB32746-B74F-4C23-B6B0-9B514D72EC2C}" type="datetimeFigureOut">
               <a:rPr lang="zh-CN" altLang="en-US" smtClean="0"/>
               <a:t>2024/3/10</a:t>
             </a:fld>
@@ -671,7 +671,7 @@
           <p:cNvPr id="5" name="页脚占位符 4">
             <a:extLst>
               <a:ext uri="{FF2B5EF4-FFF2-40B4-BE49-F238E27FC236}">
-                <a16:creationId xmlns:a16="http://schemas.microsoft.com/office/drawing/2014/main" id="{E5DE4BB2-F6B0-4086-133F-DD4B44C46DAF}"/>
+                <a16:creationId xmlns:a16="http://schemas.microsoft.com/office/drawing/2014/main" id="{4099CA01-3408-3DB2-06B4-550A70068F94}"/>
               </a:ext>
             </a:extLst>
           </p:cNvPr>
@@ -696,7 +696,7 @@
           <p:cNvPr id="6" name="灯片编号占位符 5">
             <a:extLst>
               <a:ext uri="{FF2B5EF4-FFF2-40B4-BE49-F238E27FC236}">
-                <a16:creationId xmlns:a16="http://schemas.microsoft.com/office/drawing/2014/main" id="{D92E5E04-F63C-4B22-E070-4C18329C8712}"/>
+                <a16:creationId xmlns:a16="http://schemas.microsoft.com/office/drawing/2014/main" id="{A1EE3FAB-D330-4167-85EF-C65B870F08F9}"/>
               </a:ext>
             </a:extLst>
           </p:cNvPr>
@@ -712,7 +712,7 @@
           <a:bodyPr/>
           <a:lstStyle/>
           <a:p>
-            <a:fld id="{89D2768D-D5DF-40DC-9CE2-D2B6BE34A7DA}" type="slidenum">
+            <a:fld id="{5682F263-F8A9-4F04-94A7-DE68AC48EE27}" type="slidenum">
               <a:rPr lang="zh-CN" altLang="en-US" smtClean="0"/>
               <a:t>‹#›</a:t>
             </a:fld>
@@ -723,7 +723,7 @@
     </p:spTree>
     <p:extLst>
       <p:ext uri="{BB962C8B-B14F-4D97-AF65-F5344CB8AC3E}">
-        <p14:creationId xmlns:p14="http://schemas.microsoft.com/office/powerpoint/2010/main" val="4194884610"/>
+        <p14:creationId xmlns:p14="http://schemas.microsoft.com/office/powerpoint/2010/main" val="1294625660"/>
       </p:ext>
     </p:extLst>
   </p:cSld>
@@ -755,7 +755,7 @@
           <p:cNvPr id="2" name="标题 1">
             <a:extLst>
               <a:ext uri="{FF2B5EF4-FFF2-40B4-BE49-F238E27FC236}">
-                <a16:creationId xmlns:a16="http://schemas.microsoft.com/office/drawing/2014/main" id="{327935F4-C5A5-F531-4556-3BAC51B153FF}"/>
+                <a16:creationId xmlns:a16="http://schemas.microsoft.com/office/drawing/2014/main" id="{2A89920E-1ADE-99E3-A956-A21A593614A0}"/>
               </a:ext>
             </a:extLst>
           </p:cNvPr>
@@ -783,7 +783,7 @@
           <p:cNvPr id="3" name="内容占位符 2">
             <a:extLst>
               <a:ext uri="{FF2B5EF4-FFF2-40B4-BE49-F238E27FC236}">
-                <a16:creationId xmlns:a16="http://schemas.microsoft.com/office/drawing/2014/main" id="{A47E9004-0541-48D8-0CB6-D97C02343776}"/>
+                <a16:creationId xmlns:a16="http://schemas.microsoft.com/office/drawing/2014/main" id="{FB81B15C-1738-3660-B84A-75A13227135C}"/>
               </a:ext>
             </a:extLst>
           </p:cNvPr>
@@ -840,7 +840,7 @@
           <p:cNvPr id="4" name="日期占位符 3">
             <a:extLst>
               <a:ext uri="{FF2B5EF4-FFF2-40B4-BE49-F238E27FC236}">
-                <a16:creationId xmlns:a16="http://schemas.microsoft.com/office/drawing/2014/main" id="{0367EF92-9739-7EE9-1F8C-DC62C79C1362}"/>
+                <a16:creationId xmlns:a16="http://schemas.microsoft.com/office/drawing/2014/main" id="{BD8F3A42-B59F-4FF5-33C1-5B340BFF6F7C}"/>
               </a:ext>
             </a:extLst>
           </p:cNvPr>
@@ -856,7 +856,7 @@
           <a:bodyPr/>
           <a:lstStyle/>
           <a:p>
-            <a:fld id="{A2745E8A-2351-4512-BF92-01ACBAF9568D}" type="datetimeFigureOut">
+            <a:fld id="{8CB32746-B74F-4C23-B6B0-9B514D72EC2C}" type="datetimeFigureOut">
               <a:rPr lang="zh-CN" altLang="en-US" smtClean="0"/>
               <a:t>2024/3/10</a:t>
             </a:fld>
@@ -869,7 +869,7 @@
           <p:cNvPr id="5" name="页脚占位符 4">
             <a:extLst>
               <a:ext uri="{FF2B5EF4-FFF2-40B4-BE49-F238E27FC236}">
-                <a16:creationId xmlns:a16="http://schemas.microsoft.com/office/drawing/2014/main" id="{74105385-8993-FD23-EE94-FEE5261FD4A1}"/>
+                <a16:creationId xmlns:a16="http://schemas.microsoft.com/office/drawing/2014/main" id="{C635EDCB-83E8-F055-9073-5C9E29E3DB2D}"/>
               </a:ext>
             </a:extLst>
           </p:cNvPr>
@@ -894,7 +894,7 @@
           <p:cNvPr id="6" name="灯片编号占位符 5">
             <a:extLst>
               <a:ext uri="{FF2B5EF4-FFF2-40B4-BE49-F238E27FC236}">
-                <a16:creationId xmlns:a16="http://schemas.microsoft.com/office/drawing/2014/main" id="{B79E5B6D-2CBF-96EE-22EF-1A24EC29C1BF}"/>
+                <a16:creationId xmlns:a16="http://schemas.microsoft.com/office/drawing/2014/main" id="{B6F1A851-48D1-17A1-FF10-9B5BD401F0F9}"/>
               </a:ext>
             </a:extLst>
           </p:cNvPr>
@@ -910,7 +910,7 @@
           <a:bodyPr/>
           <a:lstStyle/>
           <a:p>
-            <a:fld id="{89D2768D-D5DF-40DC-9CE2-D2B6BE34A7DA}" type="slidenum">
+            <a:fld id="{5682F263-F8A9-4F04-94A7-DE68AC48EE27}" type="slidenum">
               <a:rPr lang="zh-CN" altLang="en-US" smtClean="0"/>
               <a:t>‹#›</a:t>
             </a:fld>
@@ -921,7 +921,7 @@
     </p:spTree>
     <p:extLst>
       <p:ext uri="{BB962C8B-B14F-4D97-AF65-F5344CB8AC3E}">
-        <p14:creationId xmlns:p14="http://schemas.microsoft.com/office/powerpoint/2010/main" val="2092423945"/>
+        <p14:creationId xmlns:p14="http://schemas.microsoft.com/office/powerpoint/2010/main" val="3715836232"/>
       </p:ext>
     </p:extLst>
   </p:cSld>
@@ -953,7 +953,7 @@
           <p:cNvPr id="2" name="标题 1">
             <a:extLst>
               <a:ext uri="{FF2B5EF4-FFF2-40B4-BE49-F238E27FC236}">
-                <a16:creationId xmlns:a16="http://schemas.microsoft.com/office/drawing/2014/main" id="{9BB00A0E-A363-05CC-714B-2D9E41F0B1C1}"/>
+                <a16:creationId xmlns:a16="http://schemas.microsoft.com/office/drawing/2014/main" id="{8F32102E-BC55-9283-0029-336F30AC9CB7}"/>
               </a:ext>
             </a:extLst>
           </p:cNvPr>
@@ -990,7 +990,7 @@
           <p:cNvPr id="3" name="文本占位符 2">
             <a:extLst>
               <a:ext uri="{FF2B5EF4-FFF2-40B4-BE49-F238E27FC236}">
-                <a16:creationId xmlns:a16="http://schemas.microsoft.com/office/drawing/2014/main" id="{9908026A-1D0F-E6A2-ABC7-E180AE353D53}"/>
+                <a16:creationId xmlns:a16="http://schemas.microsoft.com/office/drawing/2014/main" id="{23C8858C-46CF-097E-6955-36D6D90F08CF}"/>
               </a:ext>
             </a:extLst>
           </p:cNvPr>
@@ -1115,7 +1115,7 @@
           <p:cNvPr id="4" name="日期占位符 3">
             <a:extLst>
               <a:ext uri="{FF2B5EF4-FFF2-40B4-BE49-F238E27FC236}">
-                <a16:creationId xmlns:a16="http://schemas.microsoft.com/office/drawing/2014/main" id="{484B7F60-B1CC-DAEA-604A-7750A3BC4907}"/>
+                <a16:creationId xmlns:a16="http://schemas.microsoft.com/office/drawing/2014/main" id="{F5D8D99C-D694-98F8-45FE-668D3E567242}"/>
               </a:ext>
             </a:extLst>
           </p:cNvPr>
@@ -1131,7 +1131,7 @@
           <a:bodyPr/>
           <a:lstStyle/>
           <a:p>
-            <a:fld id="{A2745E8A-2351-4512-BF92-01ACBAF9568D}" type="datetimeFigureOut">
+            <a:fld id="{8CB32746-B74F-4C23-B6B0-9B514D72EC2C}" type="datetimeFigureOut">
               <a:rPr lang="zh-CN" altLang="en-US" smtClean="0"/>
               <a:t>2024/3/10</a:t>
             </a:fld>
@@ -1144,7 +1144,7 @@
           <p:cNvPr id="5" name="页脚占位符 4">
             <a:extLst>
               <a:ext uri="{FF2B5EF4-FFF2-40B4-BE49-F238E27FC236}">
-                <a16:creationId xmlns:a16="http://schemas.microsoft.com/office/drawing/2014/main" id="{595B84FF-A31E-9FF6-097A-DD43C32C053B}"/>
+                <a16:creationId xmlns:a16="http://schemas.microsoft.com/office/drawing/2014/main" id="{932525C5-A82C-7646-569B-26F5C6F6C32D}"/>
               </a:ext>
             </a:extLst>
           </p:cNvPr>
@@ -1169,7 +1169,7 @@
           <p:cNvPr id="6" name="灯片编号占位符 5">
             <a:extLst>
               <a:ext uri="{FF2B5EF4-FFF2-40B4-BE49-F238E27FC236}">
-                <a16:creationId xmlns:a16="http://schemas.microsoft.com/office/drawing/2014/main" id="{D1DC83A8-D7A4-D9CA-7B52-10D0EF2FE074}"/>
+                <a16:creationId xmlns:a16="http://schemas.microsoft.com/office/drawing/2014/main" id="{CCF6DF60-7835-8172-3A64-EE21B6978FD5}"/>
               </a:ext>
             </a:extLst>
           </p:cNvPr>
@@ -1185,7 +1185,7 @@
           <a:bodyPr/>
           <a:lstStyle/>
           <a:p>
-            <a:fld id="{89D2768D-D5DF-40DC-9CE2-D2B6BE34A7DA}" type="slidenum">
+            <a:fld id="{5682F263-F8A9-4F04-94A7-DE68AC48EE27}" type="slidenum">
               <a:rPr lang="zh-CN" altLang="en-US" smtClean="0"/>
               <a:t>‹#›</a:t>
             </a:fld>
@@ -1196,7 +1196,7 @@
     </p:spTree>
     <p:extLst>
       <p:ext uri="{BB962C8B-B14F-4D97-AF65-F5344CB8AC3E}">
-        <p14:creationId xmlns:p14="http://schemas.microsoft.com/office/powerpoint/2010/main" val="3426263674"/>
+        <p14:creationId xmlns:p14="http://schemas.microsoft.com/office/powerpoint/2010/main" val="4294606380"/>
       </p:ext>
     </p:extLst>
   </p:cSld>
@@ -1228,7 +1228,7 @@
           <p:cNvPr id="2" name="标题 1">
             <a:extLst>
               <a:ext uri="{FF2B5EF4-FFF2-40B4-BE49-F238E27FC236}">
-                <a16:creationId xmlns:a16="http://schemas.microsoft.com/office/drawing/2014/main" id="{6FD633DA-BE29-7B95-C966-D98119EE97FD}"/>
+                <a16:creationId xmlns:a16="http://schemas.microsoft.com/office/drawing/2014/main" id="{A56A7B18-1443-9BC4-0FB5-B9141AD7CA7E}"/>
               </a:ext>
             </a:extLst>
           </p:cNvPr>
@@ -1256,7 +1256,7 @@
           <p:cNvPr id="3" name="内容占位符 2">
             <a:extLst>
               <a:ext uri="{FF2B5EF4-FFF2-40B4-BE49-F238E27FC236}">
-                <a16:creationId xmlns:a16="http://schemas.microsoft.com/office/drawing/2014/main" id="{58467FDC-903B-4974-80A1-C443694C6400}"/>
+                <a16:creationId xmlns:a16="http://schemas.microsoft.com/office/drawing/2014/main" id="{6DDAECF0-8578-60B7-27AD-BF7FE66ADF39}"/>
               </a:ext>
             </a:extLst>
           </p:cNvPr>
@@ -1318,7 +1318,7 @@
           <p:cNvPr id="4" name="内容占位符 3">
             <a:extLst>
               <a:ext uri="{FF2B5EF4-FFF2-40B4-BE49-F238E27FC236}">
-                <a16:creationId xmlns:a16="http://schemas.microsoft.com/office/drawing/2014/main" id="{C09BA876-E836-63F7-F50D-03CE3BB3AAA1}"/>
+                <a16:creationId xmlns:a16="http://schemas.microsoft.com/office/drawing/2014/main" id="{EAEDA023-082E-6889-E1F3-5932E8505EB8}"/>
               </a:ext>
             </a:extLst>
           </p:cNvPr>
@@ -1380,7 +1380,7 @@
           <p:cNvPr id="5" name="日期占位符 4">
             <a:extLst>
               <a:ext uri="{FF2B5EF4-FFF2-40B4-BE49-F238E27FC236}">
-                <a16:creationId xmlns:a16="http://schemas.microsoft.com/office/drawing/2014/main" id="{685FB8F3-22EB-58A7-CECF-AEE759C07202}"/>
+                <a16:creationId xmlns:a16="http://schemas.microsoft.com/office/drawing/2014/main" id="{F57710C1-811E-FB45-1B40-26771FB45524}"/>
               </a:ext>
             </a:extLst>
           </p:cNvPr>
@@ -1396,7 +1396,7 @@
           <a:bodyPr/>
           <a:lstStyle/>
           <a:p>
-            <a:fld id="{A2745E8A-2351-4512-BF92-01ACBAF9568D}" type="datetimeFigureOut">
+            <a:fld id="{8CB32746-B74F-4C23-B6B0-9B514D72EC2C}" type="datetimeFigureOut">
               <a:rPr lang="zh-CN" altLang="en-US" smtClean="0"/>
               <a:t>2024/3/10</a:t>
             </a:fld>
@@ -1409,7 +1409,7 @@
           <p:cNvPr id="6" name="页脚占位符 5">
             <a:extLst>
               <a:ext uri="{FF2B5EF4-FFF2-40B4-BE49-F238E27FC236}">
-                <a16:creationId xmlns:a16="http://schemas.microsoft.com/office/drawing/2014/main" id="{7D08F3D4-DB95-C355-CE9C-6B80208AD4C1}"/>
+                <a16:creationId xmlns:a16="http://schemas.microsoft.com/office/drawing/2014/main" id="{76F66D78-F4AC-9938-DA68-02EC1FBF39D4}"/>
               </a:ext>
             </a:extLst>
           </p:cNvPr>
@@ -1434,7 +1434,7 @@
           <p:cNvPr id="7" name="灯片编号占位符 6">
             <a:extLst>
               <a:ext uri="{FF2B5EF4-FFF2-40B4-BE49-F238E27FC236}">
-                <a16:creationId xmlns:a16="http://schemas.microsoft.com/office/drawing/2014/main" id="{2EB20E27-01D2-A92C-A310-7EEDE478EC43}"/>
+                <a16:creationId xmlns:a16="http://schemas.microsoft.com/office/drawing/2014/main" id="{7AA5F999-0A72-28AA-36AA-678A012B81F8}"/>
               </a:ext>
             </a:extLst>
           </p:cNvPr>
@@ -1450,7 +1450,7 @@
           <a:bodyPr/>
           <a:lstStyle/>
           <a:p>
-            <a:fld id="{89D2768D-D5DF-40DC-9CE2-D2B6BE34A7DA}" type="slidenum">
+            <a:fld id="{5682F263-F8A9-4F04-94A7-DE68AC48EE27}" type="slidenum">
               <a:rPr lang="zh-CN" altLang="en-US" smtClean="0"/>
               <a:t>‹#›</a:t>
             </a:fld>
@@ -1461,7 +1461,7 @@
     </p:spTree>
     <p:extLst>
       <p:ext uri="{BB962C8B-B14F-4D97-AF65-F5344CB8AC3E}">
-        <p14:creationId xmlns:p14="http://schemas.microsoft.com/office/powerpoint/2010/main" val="1841111830"/>
+        <p14:creationId xmlns:p14="http://schemas.microsoft.com/office/powerpoint/2010/main" val="3379962806"/>
       </p:ext>
     </p:extLst>
   </p:cSld>
@@ -1493,7 +1493,7 @@
           <p:cNvPr id="2" name="标题 1">
             <a:extLst>
               <a:ext uri="{FF2B5EF4-FFF2-40B4-BE49-F238E27FC236}">
-                <a16:creationId xmlns:a16="http://schemas.microsoft.com/office/drawing/2014/main" id="{C7C718AF-0A4E-50C4-D71A-A09A700B58A8}"/>
+                <a16:creationId xmlns:a16="http://schemas.microsoft.com/office/drawing/2014/main" id="{4C850362-0F62-B16E-1AF2-5A9CDE10687D}"/>
               </a:ext>
             </a:extLst>
           </p:cNvPr>
@@ -1526,7 +1526,7 @@
           <p:cNvPr id="3" name="文本占位符 2">
             <a:extLst>
               <a:ext uri="{FF2B5EF4-FFF2-40B4-BE49-F238E27FC236}">
-                <a16:creationId xmlns:a16="http://schemas.microsoft.com/office/drawing/2014/main" id="{924FCA12-C95A-6641-1F70-43D4869B9387}"/>
+                <a16:creationId xmlns:a16="http://schemas.microsoft.com/office/drawing/2014/main" id="{FAA67D60-11DB-96D4-DB1E-F805A9484495}"/>
               </a:ext>
             </a:extLst>
           </p:cNvPr>
@@ -1597,7 +1597,7 @@
           <p:cNvPr id="4" name="内容占位符 3">
             <a:extLst>
               <a:ext uri="{FF2B5EF4-FFF2-40B4-BE49-F238E27FC236}">
-                <a16:creationId xmlns:a16="http://schemas.microsoft.com/office/drawing/2014/main" id="{B0D633AE-08EC-6A78-13DE-BDAB87FB4B9C}"/>
+                <a16:creationId xmlns:a16="http://schemas.microsoft.com/office/drawing/2014/main" id="{065C1F8C-B385-E6E7-3FFF-CF190EEF1E46}"/>
               </a:ext>
             </a:extLst>
           </p:cNvPr>
@@ -1659,7 +1659,7 @@
           <p:cNvPr id="5" name="文本占位符 4">
             <a:extLst>
               <a:ext uri="{FF2B5EF4-FFF2-40B4-BE49-F238E27FC236}">
-                <a16:creationId xmlns:a16="http://schemas.microsoft.com/office/drawing/2014/main" id="{9CDA0250-C87D-0AE1-114C-7A17B49B1CB7}"/>
+                <a16:creationId xmlns:a16="http://schemas.microsoft.com/office/drawing/2014/main" id="{4AD9990D-1CA9-AD82-05C0-8DA87C80D676}"/>
               </a:ext>
             </a:extLst>
           </p:cNvPr>
@@ -1730,7 +1730,7 @@
           <p:cNvPr id="6" name="内容占位符 5">
             <a:extLst>
               <a:ext uri="{FF2B5EF4-FFF2-40B4-BE49-F238E27FC236}">
-                <a16:creationId xmlns:a16="http://schemas.microsoft.com/office/drawing/2014/main" id="{9DC94B83-AC91-4807-15D6-B22471AB717F}"/>
+                <a16:creationId xmlns:a16="http://schemas.microsoft.com/office/drawing/2014/main" id="{24E133BB-61BA-A756-BC62-7339D208FC87}"/>
               </a:ext>
             </a:extLst>
           </p:cNvPr>
@@ -1792,7 +1792,7 @@
           <p:cNvPr id="7" name="日期占位符 6">
             <a:extLst>
               <a:ext uri="{FF2B5EF4-FFF2-40B4-BE49-F238E27FC236}">
-                <a16:creationId xmlns:a16="http://schemas.microsoft.com/office/drawing/2014/main" id="{AF9B2D11-2046-2852-7141-29B530DF7D6C}"/>
+                <a16:creationId xmlns:a16="http://schemas.microsoft.com/office/drawing/2014/main" id="{6EBE5A74-1B52-86B6-0D60-485BE037DB62}"/>
               </a:ext>
             </a:extLst>
           </p:cNvPr>
@@ -1808,7 +1808,7 @@
           <a:bodyPr/>
           <a:lstStyle/>
           <a:p>
-            <a:fld id="{A2745E8A-2351-4512-BF92-01ACBAF9568D}" type="datetimeFigureOut">
+            <a:fld id="{8CB32746-B74F-4C23-B6B0-9B514D72EC2C}" type="datetimeFigureOut">
               <a:rPr lang="zh-CN" altLang="en-US" smtClean="0"/>
               <a:t>2024/3/10</a:t>
             </a:fld>
@@ -1821,7 +1821,7 @@
           <p:cNvPr id="8" name="页脚占位符 7">
             <a:extLst>
               <a:ext uri="{FF2B5EF4-FFF2-40B4-BE49-F238E27FC236}">
-                <a16:creationId xmlns:a16="http://schemas.microsoft.com/office/drawing/2014/main" id="{5405744F-10EC-1E73-1C3B-000E27137D8A}"/>
+                <a16:creationId xmlns:a16="http://schemas.microsoft.com/office/drawing/2014/main" id="{20E057BF-4D27-67F3-FD2C-4F61EEBE6D21}"/>
               </a:ext>
             </a:extLst>
           </p:cNvPr>
@@ -1846,7 +1846,7 @@
           <p:cNvPr id="9" name="灯片编号占位符 8">
             <a:extLst>
               <a:ext uri="{FF2B5EF4-FFF2-40B4-BE49-F238E27FC236}">
-                <a16:creationId xmlns:a16="http://schemas.microsoft.com/office/drawing/2014/main" id="{A2E18E3B-0CB8-286D-2A2F-345CCC9419FF}"/>
+                <a16:creationId xmlns:a16="http://schemas.microsoft.com/office/drawing/2014/main" id="{8F750162-A8D6-4576-959B-D62F0F1928D0}"/>
               </a:ext>
             </a:extLst>
           </p:cNvPr>
@@ -1862,7 +1862,7 @@
           <a:bodyPr/>
           <a:lstStyle/>
           <a:p>
-            <a:fld id="{89D2768D-D5DF-40DC-9CE2-D2B6BE34A7DA}" type="slidenum">
+            <a:fld id="{5682F263-F8A9-4F04-94A7-DE68AC48EE27}" type="slidenum">
               <a:rPr lang="zh-CN" altLang="en-US" smtClean="0"/>
               <a:t>‹#›</a:t>
             </a:fld>
@@ -1873,7 +1873,7 @@
     </p:spTree>
     <p:extLst>
       <p:ext uri="{BB962C8B-B14F-4D97-AF65-F5344CB8AC3E}">
-        <p14:creationId xmlns:p14="http://schemas.microsoft.com/office/powerpoint/2010/main" val="1949175856"/>
+        <p14:creationId xmlns:p14="http://schemas.microsoft.com/office/powerpoint/2010/main" val="2145913884"/>
       </p:ext>
     </p:extLst>
   </p:cSld>
@@ -1905,7 +1905,7 @@
           <p:cNvPr id="2" name="标题 1">
             <a:extLst>
               <a:ext uri="{FF2B5EF4-FFF2-40B4-BE49-F238E27FC236}">
-                <a16:creationId xmlns:a16="http://schemas.microsoft.com/office/drawing/2014/main" id="{3B135407-1AB7-816B-C6A0-04C4BBC7ACDF}"/>
+                <a16:creationId xmlns:a16="http://schemas.microsoft.com/office/drawing/2014/main" id="{01BCB45B-ED89-A711-B329-0DE036378CC9}"/>
               </a:ext>
             </a:extLst>
           </p:cNvPr>
@@ -1933,7 +1933,7 @@
           <p:cNvPr id="3" name="日期占位符 2">
             <a:extLst>
               <a:ext uri="{FF2B5EF4-FFF2-40B4-BE49-F238E27FC236}">
-                <a16:creationId xmlns:a16="http://schemas.microsoft.com/office/drawing/2014/main" id="{5A1713BC-FC90-F3BC-D53B-D0694FDBFC7D}"/>
+                <a16:creationId xmlns:a16="http://schemas.microsoft.com/office/drawing/2014/main" id="{85337350-7658-7900-DA17-E16C99789310}"/>
               </a:ext>
             </a:extLst>
           </p:cNvPr>
@@ -1949,7 +1949,7 @@
           <a:bodyPr/>
           <a:lstStyle/>
           <a:p>
-            <a:fld id="{A2745E8A-2351-4512-BF92-01ACBAF9568D}" type="datetimeFigureOut">
+            <a:fld id="{8CB32746-B74F-4C23-B6B0-9B514D72EC2C}" type="datetimeFigureOut">
               <a:rPr lang="zh-CN" altLang="en-US" smtClean="0"/>
               <a:t>2024/3/10</a:t>
             </a:fld>
@@ -1962,7 +1962,7 @@
           <p:cNvPr id="4" name="页脚占位符 3">
             <a:extLst>
               <a:ext uri="{FF2B5EF4-FFF2-40B4-BE49-F238E27FC236}">
-                <a16:creationId xmlns:a16="http://schemas.microsoft.com/office/drawing/2014/main" id="{C9216398-5AFE-53C2-AAD4-01BCA2205A62}"/>
+                <a16:creationId xmlns:a16="http://schemas.microsoft.com/office/drawing/2014/main" id="{DA9AD0D3-C27C-E412-4686-96121585AB19}"/>
               </a:ext>
             </a:extLst>
           </p:cNvPr>
@@ -1987,7 +1987,7 @@
           <p:cNvPr id="5" name="灯片编号占位符 4">
             <a:extLst>
               <a:ext uri="{FF2B5EF4-FFF2-40B4-BE49-F238E27FC236}">
-                <a16:creationId xmlns:a16="http://schemas.microsoft.com/office/drawing/2014/main" id="{3DDA59D8-EAC5-A294-CADF-620E13393181}"/>
+                <a16:creationId xmlns:a16="http://schemas.microsoft.com/office/drawing/2014/main" id="{A449FD4D-9099-8242-78F1-D4F328BA6611}"/>
               </a:ext>
             </a:extLst>
           </p:cNvPr>
@@ -2003,7 +2003,7 @@
           <a:bodyPr/>
           <a:lstStyle/>
           <a:p>
-            <a:fld id="{89D2768D-D5DF-40DC-9CE2-D2B6BE34A7DA}" type="slidenum">
+            <a:fld id="{5682F263-F8A9-4F04-94A7-DE68AC48EE27}" type="slidenum">
               <a:rPr lang="zh-CN" altLang="en-US" smtClean="0"/>
               <a:t>‹#›</a:t>
             </a:fld>
@@ -2014,7 +2014,7 @@
     </p:spTree>
     <p:extLst>
       <p:ext uri="{BB962C8B-B14F-4D97-AF65-F5344CB8AC3E}">
-        <p14:creationId xmlns:p14="http://schemas.microsoft.com/office/powerpoint/2010/main" val="277798334"/>
+        <p14:creationId xmlns:p14="http://schemas.microsoft.com/office/powerpoint/2010/main" val="2241386364"/>
       </p:ext>
     </p:extLst>
   </p:cSld>
@@ -2046,7 +2046,7 @@
           <p:cNvPr id="2" name="日期占位符 1">
             <a:extLst>
               <a:ext uri="{FF2B5EF4-FFF2-40B4-BE49-F238E27FC236}">
-                <a16:creationId xmlns:a16="http://schemas.microsoft.com/office/drawing/2014/main" id="{AC7DD4B9-4D4E-BBF0-ECE4-5702F78B8851}"/>
+                <a16:creationId xmlns:a16="http://schemas.microsoft.com/office/drawing/2014/main" id="{61ED5B2F-0AA9-16E7-177D-691CCF5D650D}"/>
               </a:ext>
             </a:extLst>
           </p:cNvPr>
@@ -2062,7 +2062,7 @@
           <a:bodyPr/>
           <a:lstStyle/>
           <a:p>
-            <a:fld id="{A2745E8A-2351-4512-BF92-01ACBAF9568D}" type="datetimeFigureOut">
+            <a:fld id="{8CB32746-B74F-4C23-B6B0-9B514D72EC2C}" type="datetimeFigureOut">
               <a:rPr lang="zh-CN" altLang="en-US" smtClean="0"/>
               <a:t>2024/3/10</a:t>
             </a:fld>
@@ -2075,7 +2075,7 @@
           <p:cNvPr id="3" name="页脚占位符 2">
             <a:extLst>
               <a:ext uri="{FF2B5EF4-FFF2-40B4-BE49-F238E27FC236}">
-                <a16:creationId xmlns:a16="http://schemas.microsoft.com/office/drawing/2014/main" id="{78B5EADC-82BF-561C-6736-A31B283C97A4}"/>
+                <a16:creationId xmlns:a16="http://schemas.microsoft.com/office/drawing/2014/main" id="{963B69AE-B5CC-A7F3-1179-A59CA08A8168}"/>
               </a:ext>
             </a:extLst>
           </p:cNvPr>
@@ -2100,7 +2100,7 @@
           <p:cNvPr id="4" name="灯片编号占位符 3">
             <a:extLst>
               <a:ext uri="{FF2B5EF4-FFF2-40B4-BE49-F238E27FC236}">
-                <a16:creationId xmlns:a16="http://schemas.microsoft.com/office/drawing/2014/main" id="{7BFA6198-706E-E93D-DA75-ECC530EB3744}"/>
+                <a16:creationId xmlns:a16="http://schemas.microsoft.com/office/drawing/2014/main" id="{34CF688B-17D7-A9A3-C94F-63413D257ADB}"/>
               </a:ext>
             </a:extLst>
           </p:cNvPr>
@@ -2116,7 +2116,7 @@
           <a:bodyPr/>
           <a:lstStyle/>
           <a:p>
-            <a:fld id="{89D2768D-D5DF-40DC-9CE2-D2B6BE34A7DA}" type="slidenum">
+            <a:fld id="{5682F263-F8A9-4F04-94A7-DE68AC48EE27}" type="slidenum">
               <a:rPr lang="zh-CN" altLang="en-US" smtClean="0"/>
               <a:t>‹#›</a:t>
             </a:fld>
@@ -2127,7 +2127,7 @@
     </p:spTree>
     <p:extLst>
       <p:ext uri="{BB962C8B-B14F-4D97-AF65-F5344CB8AC3E}">
-        <p14:creationId xmlns:p14="http://schemas.microsoft.com/office/powerpoint/2010/main" val="260282030"/>
+        <p14:creationId xmlns:p14="http://schemas.microsoft.com/office/powerpoint/2010/main" val="1998066649"/>
       </p:ext>
     </p:extLst>
   </p:cSld>
@@ -2159,7 +2159,7 @@
           <p:cNvPr id="2" name="标题 1">
             <a:extLst>
               <a:ext uri="{FF2B5EF4-FFF2-40B4-BE49-F238E27FC236}">
-                <a16:creationId xmlns:a16="http://schemas.microsoft.com/office/drawing/2014/main" id="{EC25E8DA-CB02-6CA7-2691-0C4008C0351E}"/>
+                <a16:creationId xmlns:a16="http://schemas.microsoft.com/office/drawing/2014/main" id="{F58680DF-AFE9-DFF1-AF73-7CF0F8762D74}"/>
               </a:ext>
             </a:extLst>
           </p:cNvPr>
@@ -2196,7 +2196,7 @@
           <p:cNvPr id="3" name="内容占位符 2">
             <a:extLst>
               <a:ext uri="{FF2B5EF4-FFF2-40B4-BE49-F238E27FC236}">
-                <a16:creationId xmlns:a16="http://schemas.microsoft.com/office/drawing/2014/main" id="{7CD52436-6007-0BAD-7A6E-A77C69206B92}"/>
+                <a16:creationId xmlns:a16="http://schemas.microsoft.com/office/drawing/2014/main" id="{48F5B7DD-AA66-855B-6F3B-8606163CB2F9}"/>
               </a:ext>
             </a:extLst>
           </p:cNvPr>
@@ -2286,7 +2286,7 @@
           <p:cNvPr id="4" name="文本占位符 3">
             <a:extLst>
               <a:ext uri="{FF2B5EF4-FFF2-40B4-BE49-F238E27FC236}">
-                <a16:creationId xmlns:a16="http://schemas.microsoft.com/office/drawing/2014/main" id="{12267D34-B518-1640-B49F-49F47CE53C73}"/>
+                <a16:creationId xmlns:a16="http://schemas.microsoft.com/office/drawing/2014/main" id="{AF893789-B45C-0883-5547-009153562A6E}"/>
               </a:ext>
             </a:extLst>
           </p:cNvPr>
@@ -2357,7 +2357,7 @@
           <p:cNvPr id="5" name="日期占位符 4">
             <a:extLst>
               <a:ext uri="{FF2B5EF4-FFF2-40B4-BE49-F238E27FC236}">
-                <a16:creationId xmlns:a16="http://schemas.microsoft.com/office/drawing/2014/main" id="{A3274530-3EFD-2EAA-6258-BA7F3BE60D0F}"/>
+                <a16:creationId xmlns:a16="http://schemas.microsoft.com/office/drawing/2014/main" id="{43022532-DA63-8EFC-1F5C-D89E9DD6C439}"/>
               </a:ext>
             </a:extLst>
           </p:cNvPr>
@@ -2373,7 +2373,7 @@
           <a:bodyPr/>
           <a:lstStyle/>
           <a:p>
-            <a:fld id="{A2745E8A-2351-4512-BF92-01ACBAF9568D}" type="datetimeFigureOut">
+            <a:fld id="{8CB32746-B74F-4C23-B6B0-9B514D72EC2C}" type="datetimeFigureOut">
               <a:rPr lang="zh-CN" altLang="en-US" smtClean="0"/>
               <a:t>2024/3/10</a:t>
             </a:fld>
@@ -2386,7 +2386,7 @@
           <p:cNvPr id="6" name="页脚占位符 5">
             <a:extLst>
               <a:ext uri="{FF2B5EF4-FFF2-40B4-BE49-F238E27FC236}">
-                <a16:creationId xmlns:a16="http://schemas.microsoft.com/office/drawing/2014/main" id="{6BB21B20-E3F1-59CA-70C2-D034120DB8A9}"/>
+                <a16:creationId xmlns:a16="http://schemas.microsoft.com/office/drawing/2014/main" id="{FC78BAE9-6A23-1EF6-DE3A-7B3DA0348051}"/>
               </a:ext>
             </a:extLst>
           </p:cNvPr>
@@ -2411,7 +2411,7 @@
           <p:cNvPr id="7" name="灯片编号占位符 6">
             <a:extLst>
               <a:ext uri="{FF2B5EF4-FFF2-40B4-BE49-F238E27FC236}">
-                <a16:creationId xmlns:a16="http://schemas.microsoft.com/office/drawing/2014/main" id="{A8BAF1E4-F19D-1358-DA9C-824430EF584E}"/>
+                <a16:creationId xmlns:a16="http://schemas.microsoft.com/office/drawing/2014/main" id="{1648539D-7A13-BDC8-9E2D-49160E5912BD}"/>
               </a:ext>
             </a:extLst>
           </p:cNvPr>
@@ -2427,7 +2427,7 @@
           <a:bodyPr/>
           <a:lstStyle/>
           <a:p>
-            <a:fld id="{89D2768D-D5DF-40DC-9CE2-D2B6BE34A7DA}" type="slidenum">
+            <a:fld id="{5682F263-F8A9-4F04-94A7-DE68AC48EE27}" type="slidenum">
               <a:rPr lang="zh-CN" altLang="en-US" smtClean="0"/>
               <a:t>‹#›</a:t>
             </a:fld>
@@ -2438,7 +2438,7 @@
     </p:spTree>
     <p:extLst>
       <p:ext uri="{BB962C8B-B14F-4D97-AF65-F5344CB8AC3E}">
-        <p14:creationId xmlns:p14="http://schemas.microsoft.com/office/powerpoint/2010/main" val="3282712895"/>
+        <p14:creationId xmlns:p14="http://schemas.microsoft.com/office/powerpoint/2010/main" val="1875262273"/>
       </p:ext>
     </p:extLst>
   </p:cSld>
@@ -2470,7 +2470,7 @@
           <p:cNvPr id="2" name="标题 1">
             <a:extLst>
               <a:ext uri="{FF2B5EF4-FFF2-40B4-BE49-F238E27FC236}">
-                <a16:creationId xmlns:a16="http://schemas.microsoft.com/office/drawing/2014/main" id="{F4564D59-4F36-306B-5528-D4CB670B857B}"/>
+                <a16:creationId xmlns:a16="http://schemas.microsoft.com/office/drawing/2014/main" id="{767C1823-4C24-F67B-3FF0-A4DD2F888491}"/>
               </a:ext>
             </a:extLst>
           </p:cNvPr>
@@ -2507,7 +2507,7 @@
           <p:cNvPr id="3" name="图片占位符 2">
             <a:extLst>
               <a:ext uri="{FF2B5EF4-FFF2-40B4-BE49-F238E27FC236}">
-                <a16:creationId xmlns:a16="http://schemas.microsoft.com/office/drawing/2014/main" id="{F5B4E590-6BA8-6D83-E56E-6C29087D1441}"/>
+                <a16:creationId xmlns:a16="http://schemas.microsoft.com/office/drawing/2014/main" id="{F40A374A-D623-3C0C-6818-155E1E40C5B1}"/>
               </a:ext>
             </a:extLst>
           </p:cNvPr>
@@ -2574,7 +2574,7 @@
           <p:cNvPr id="4" name="文本占位符 3">
             <a:extLst>
               <a:ext uri="{FF2B5EF4-FFF2-40B4-BE49-F238E27FC236}">
-                <a16:creationId xmlns:a16="http://schemas.microsoft.com/office/drawing/2014/main" id="{7677C80A-B3CD-6388-ED91-45A54A6CB691}"/>
+                <a16:creationId xmlns:a16="http://schemas.microsoft.com/office/drawing/2014/main" id="{BBD36C24-4808-BD53-DF56-D61A681A15DE}"/>
               </a:ext>
             </a:extLst>
           </p:cNvPr>
@@ -2645,7 +2645,7 @@
           <p:cNvPr id="5" name="日期占位符 4">
             <a:extLst>
               <a:ext uri="{FF2B5EF4-FFF2-40B4-BE49-F238E27FC236}">
-                <a16:creationId xmlns:a16="http://schemas.microsoft.com/office/drawing/2014/main" id="{4052B126-181D-938B-14BE-243868DF1F7F}"/>
+                <a16:creationId xmlns:a16="http://schemas.microsoft.com/office/drawing/2014/main" id="{4C0C7356-6414-5432-653C-0C3AB35C3E10}"/>
               </a:ext>
             </a:extLst>
           </p:cNvPr>
@@ -2661,7 +2661,7 @@
           <a:bodyPr/>
           <a:lstStyle/>
           <a:p>
-            <a:fld id="{A2745E8A-2351-4512-BF92-01ACBAF9568D}" type="datetimeFigureOut">
+            <a:fld id="{8CB32746-B74F-4C23-B6B0-9B514D72EC2C}" type="datetimeFigureOut">
               <a:rPr lang="zh-CN" altLang="en-US" smtClean="0"/>
               <a:t>2024/3/10</a:t>
             </a:fld>
@@ -2674,7 +2674,7 @@
           <p:cNvPr id="6" name="页脚占位符 5">
             <a:extLst>
               <a:ext uri="{FF2B5EF4-FFF2-40B4-BE49-F238E27FC236}">
-                <a16:creationId xmlns:a16="http://schemas.microsoft.com/office/drawing/2014/main" id="{B1550375-AC60-DB84-8FDA-ECA479E265F0}"/>
+                <a16:creationId xmlns:a16="http://schemas.microsoft.com/office/drawing/2014/main" id="{B293F6E7-C3AD-B49D-09BC-F84979C3C092}"/>
               </a:ext>
             </a:extLst>
           </p:cNvPr>
@@ -2699,7 +2699,7 @@
           <p:cNvPr id="7" name="灯片编号占位符 6">
             <a:extLst>
               <a:ext uri="{FF2B5EF4-FFF2-40B4-BE49-F238E27FC236}">
-                <a16:creationId xmlns:a16="http://schemas.microsoft.com/office/drawing/2014/main" id="{2E849084-4969-F88F-A8B1-0BAA71DCAE37}"/>
+                <a16:creationId xmlns:a16="http://schemas.microsoft.com/office/drawing/2014/main" id="{741A4C68-0FF7-FD30-B37B-4871485322A8}"/>
               </a:ext>
             </a:extLst>
           </p:cNvPr>
@@ -2715,7 +2715,7 @@
           <a:bodyPr/>
           <a:lstStyle/>
           <a:p>
-            <a:fld id="{89D2768D-D5DF-40DC-9CE2-D2B6BE34A7DA}" type="slidenum">
+            <a:fld id="{5682F263-F8A9-4F04-94A7-DE68AC48EE27}" type="slidenum">
               <a:rPr lang="zh-CN" altLang="en-US" smtClean="0"/>
               <a:t>‹#›</a:t>
             </a:fld>
@@ -2726,7 +2726,7 @@
     </p:spTree>
     <p:extLst>
       <p:ext uri="{BB962C8B-B14F-4D97-AF65-F5344CB8AC3E}">
-        <p14:creationId xmlns:p14="http://schemas.microsoft.com/office/powerpoint/2010/main" val="2558401565"/>
+        <p14:creationId xmlns:p14="http://schemas.microsoft.com/office/powerpoint/2010/main" val="1359786933"/>
       </p:ext>
     </p:extLst>
   </p:cSld>
@@ -2763,7 +2763,7 @@
           <p:cNvPr id="2" name="标题占位符 1">
             <a:extLst>
               <a:ext uri="{FF2B5EF4-FFF2-40B4-BE49-F238E27FC236}">
-                <a16:creationId xmlns:a16="http://schemas.microsoft.com/office/drawing/2014/main" id="{703149FF-1991-2B5B-0923-F48EA4175816}"/>
+                <a16:creationId xmlns:a16="http://schemas.microsoft.com/office/drawing/2014/main" id="{EAC35A87-1156-F769-22A7-A91DADA80548}"/>
               </a:ext>
             </a:extLst>
           </p:cNvPr>
@@ -2801,7 +2801,7 @@
           <p:cNvPr id="3" name="文本占位符 2">
             <a:extLst>
               <a:ext uri="{FF2B5EF4-FFF2-40B4-BE49-F238E27FC236}">
-                <a16:creationId xmlns:a16="http://schemas.microsoft.com/office/drawing/2014/main" id="{7C057B20-8E45-89AC-09F7-07EBE477918E}"/>
+                <a16:creationId xmlns:a16="http://schemas.microsoft.com/office/drawing/2014/main" id="{3B972203-EE51-CA9B-68BD-24CB9F1B1FFC}"/>
               </a:ext>
             </a:extLst>
           </p:cNvPr>
@@ -2868,7 +2868,7 @@
           <p:cNvPr id="4" name="日期占位符 3">
             <a:extLst>
               <a:ext uri="{FF2B5EF4-FFF2-40B4-BE49-F238E27FC236}">
-                <a16:creationId xmlns:a16="http://schemas.microsoft.com/office/drawing/2014/main" id="{05F92891-8A74-B67F-1F28-94C5DA9C888E}"/>
+                <a16:creationId xmlns:a16="http://schemas.microsoft.com/office/drawing/2014/main" id="{019FB80F-13E4-4132-8746-73A3857B4B39}"/>
               </a:ext>
             </a:extLst>
           </p:cNvPr>
@@ -2902,7 +2902,7 @@
             </a:lvl1pPr>
           </a:lstStyle>
           <a:p>
-            <a:fld id="{A2745E8A-2351-4512-BF92-01ACBAF9568D}" type="datetimeFigureOut">
+            <a:fld id="{8CB32746-B74F-4C23-B6B0-9B514D72EC2C}" type="datetimeFigureOut">
               <a:rPr lang="zh-CN" altLang="en-US" smtClean="0"/>
               <a:t>2024/3/10</a:t>
             </a:fld>
@@ -2915,7 +2915,7 @@
           <p:cNvPr id="5" name="页脚占位符 4">
             <a:extLst>
               <a:ext uri="{FF2B5EF4-FFF2-40B4-BE49-F238E27FC236}">
-                <a16:creationId xmlns:a16="http://schemas.microsoft.com/office/drawing/2014/main" id="{3B0A03F6-9950-2A6E-B40F-FB4739271AF2}"/>
+                <a16:creationId xmlns:a16="http://schemas.microsoft.com/office/drawing/2014/main" id="{91EBA85F-A3F7-3370-ED6B-1B5E390347CB}"/>
               </a:ext>
             </a:extLst>
           </p:cNvPr>
@@ -2958,7 +2958,7 @@
           <p:cNvPr id="6" name="灯片编号占位符 5">
             <a:extLst>
               <a:ext uri="{FF2B5EF4-FFF2-40B4-BE49-F238E27FC236}">
-                <a16:creationId xmlns:a16="http://schemas.microsoft.com/office/drawing/2014/main" id="{495C1A5F-7D5E-0EDA-E49E-9A83E3CE4924}"/>
+                <a16:creationId xmlns:a16="http://schemas.microsoft.com/office/drawing/2014/main" id="{EDE1B833-D38E-B114-6CEB-CF57031ACEE9}"/>
               </a:ext>
             </a:extLst>
           </p:cNvPr>
@@ -2992,7 +2992,7 @@
             </a:lvl1pPr>
           </a:lstStyle>
           <a:p>
-            <a:fld id="{89D2768D-D5DF-40DC-9CE2-D2B6BE34A7DA}" type="slidenum">
+            <a:fld id="{5682F263-F8A9-4F04-94A7-DE68AC48EE27}" type="slidenum">
               <a:rPr lang="zh-CN" altLang="en-US" smtClean="0"/>
               <a:t>‹#›</a:t>
             </a:fld>
@@ -3003,7 +3003,7 @@
     </p:spTree>
     <p:extLst>
       <p:ext uri="{BB962C8B-B14F-4D97-AF65-F5344CB8AC3E}">
-        <p14:creationId xmlns:p14="http://schemas.microsoft.com/office/powerpoint/2010/main" val="1324346233"/>
+        <p14:creationId xmlns:p14="http://schemas.microsoft.com/office/powerpoint/2010/main" val="2128332553"/>
       </p:ext>
     </p:extLst>
   </p:cSld>
@@ -3323,7 +3323,7 @@
       </p:grpSpPr>
       <p:pic>
         <p:nvPicPr>
-          <p:cNvPr id="583682" name="Picture 2" descr="569"/>
+          <p:cNvPr id="584706" name="Picture 2" descr="570"/>
           <p:cNvPicPr>
             <a:picLocks noChangeAspect="1" noChangeArrowheads="1"/>
           </p:cNvPicPr>
@@ -3344,8 +3344,8 @@
         </p:blipFill>
         <p:spPr bwMode="auto">
           <a:xfrm>
-            <a:off x="1524000" y="333376"/>
-            <a:ext cx="9144000" cy="6524625"/>
+            <a:off x="1524000" y="0"/>
+            <a:ext cx="9144000" cy="6858000"/>
           </a:xfrm>
           <a:prstGeom prst="rect">
             <a:avLst/>
